--- a/Daily Agendas/Day11.3_ArduinoSensors3_Nov15.pptx
+++ b/Daily Agendas/Day11.3_ArduinoSensors3_Nov15.pptx
@@ -308,7 +308,7 @@
             <a:fld id="{1D8BD707-D9CF-40AE-B4C6-C98DA3205C09}" type="datetimeFigureOut">
               <a:rPr lang="en-US" smtClean="0"/>
               <a:pPr/>
-              <a:t>11/14/2017</a:t>
+              <a:t>11/15/2017</a:t>
             </a:fld>
             <a:endParaRPr lang="en-US"/>
           </a:p>
@@ -473,7 +473,7 @@
             <a:fld id="{1D8BD707-D9CF-40AE-B4C6-C98DA3205C09}" type="datetimeFigureOut">
               <a:rPr lang="en-US" smtClean="0"/>
               <a:pPr/>
-              <a:t>11/14/2017</a:t>
+              <a:t>11/15/2017</a:t>
             </a:fld>
             <a:endParaRPr lang="en-US"/>
           </a:p>
@@ -648,7 +648,7 @@
             <a:fld id="{1D8BD707-D9CF-40AE-B4C6-C98DA3205C09}" type="datetimeFigureOut">
               <a:rPr lang="en-US" smtClean="0"/>
               <a:pPr/>
-              <a:t>11/14/2017</a:t>
+              <a:t>11/15/2017</a:t>
             </a:fld>
             <a:endParaRPr lang="en-US"/>
           </a:p>
@@ -813,7 +813,7 @@
             <a:fld id="{1D8BD707-D9CF-40AE-B4C6-C98DA3205C09}" type="datetimeFigureOut">
               <a:rPr lang="en-US" smtClean="0"/>
               <a:pPr/>
-              <a:t>11/14/2017</a:t>
+              <a:t>11/15/2017</a:t>
             </a:fld>
             <a:endParaRPr lang="en-US"/>
           </a:p>
@@ -1055,7 +1055,7 @@
             <a:fld id="{1D8BD707-D9CF-40AE-B4C6-C98DA3205C09}" type="datetimeFigureOut">
               <a:rPr lang="en-US" smtClean="0"/>
               <a:pPr/>
-              <a:t>11/14/2017</a:t>
+              <a:t>11/15/2017</a:t>
             </a:fld>
             <a:endParaRPr lang="en-US"/>
           </a:p>
@@ -1337,7 +1337,7 @@
             <a:fld id="{1D8BD707-D9CF-40AE-B4C6-C98DA3205C09}" type="datetimeFigureOut">
               <a:rPr lang="en-US" smtClean="0"/>
               <a:pPr/>
-              <a:t>11/14/2017</a:t>
+              <a:t>11/15/2017</a:t>
             </a:fld>
             <a:endParaRPr lang="en-US"/>
           </a:p>
@@ -1753,7 +1753,7 @@
             <a:fld id="{1D8BD707-D9CF-40AE-B4C6-C98DA3205C09}" type="datetimeFigureOut">
               <a:rPr lang="en-US" smtClean="0"/>
               <a:pPr/>
-              <a:t>11/14/2017</a:t>
+              <a:t>11/15/2017</a:t>
             </a:fld>
             <a:endParaRPr lang="en-US"/>
           </a:p>
@@ -1867,7 +1867,7 @@
             <a:fld id="{1D8BD707-D9CF-40AE-B4C6-C98DA3205C09}" type="datetimeFigureOut">
               <a:rPr lang="en-US" smtClean="0"/>
               <a:pPr/>
-              <a:t>11/14/2017</a:t>
+              <a:t>11/15/2017</a:t>
             </a:fld>
             <a:endParaRPr lang="en-US"/>
           </a:p>
@@ -1959,7 +1959,7 @@
             <a:fld id="{1D8BD707-D9CF-40AE-B4C6-C98DA3205C09}" type="datetimeFigureOut">
               <a:rPr lang="en-US" smtClean="0"/>
               <a:pPr/>
-              <a:t>11/14/2017</a:t>
+              <a:t>11/15/2017</a:t>
             </a:fld>
             <a:endParaRPr lang="en-US"/>
           </a:p>
@@ -2231,7 +2231,7 @@
             <a:fld id="{1D8BD707-D9CF-40AE-B4C6-C98DA3205C09}" type="datetimeFigureOut">
               <a:rPr lang="en-US" smtClean="0"/>
               <a:pPr/>
-              <a:t>11/14/2017</a:t>
+              <a:t>11/15/2017</a:t>
             </a:fld>
             <a:endParaRPr lang="en-US"/>
           </a:p>
@@ -2480,7 +2480,7 @@
             <a:fld id="{1D8BD707-D9CF-40AE-B4C6-C98DA3205C09}" type="datetimeFigureOut">
               <a:rPr lang="en-US" smtClean="0"/>
               <a:pPr/>
-              <a:t>11/14/2017</a:t>
+              <a:t>11/15/2017</a:t>
             </a:fld>
             <a:endParaRPr lang="en-US"/>
           </a:p>
@@ -2688,7 +2688,7 @@
             <a:fld id="{1D8BD707-D9CF-40AE-B4C6-C98DA3205C09}" type="datetimeFigureOut">
               <a:rPr lang="en-US" smtClean="0"/>
               <a:pPr/>
-              <a:t>11/14/2017</a:t>
+              <a:t>11/15/2017</a:t>
             </a:fld>
             <a:endParaRPr lang="en-US"/>
           </a:p>
@@ -3078,19 +3078,7 @@
           <a:p>
             <a:r>
               <a:rPr lang="en-US" sz="3600" dirty="0" smtClean="0"/>
-              <a:t>Arduino Sensors </a:t>
-            </a:r>
-            <a:r>
-              <a:rPr lang="en-US" sz="3600" dirty="0" smtClean="0"/>
-              <a:t>3 </a:t>
-            </a:r>
-            <a:r>
-              <a:rPr lang="en-US" sz="3600" dirty="0" smtClean="0"/>
-              <a:t>– Nov </a:t>
-            </a:r>
-            <a:r>
-              <a:rPr lang="en-US" sz="3600" dirty="0" smtClean="0"/>
-              <a:t>15</a:t>
+              <a:t>Arduino Sensors 3 – Nov 15</a:t>
             </a:r>
             <a:endParaRPr lang="en-US" sz="3600" dirty="0"/>
           </a:p>
@@ -3122,11 +3110,7 @@
             <a:pPr lvl="1"/>
             <a:r>
               <a:rPr lang="en-CA" sz="2400" dirty="0" smtClean="0"/>
-              <a:t>Part </a:t>
-            </a:r>
-            <a:r>
-              <a:rPr lang="en-CA" sz="2400" dirty="0" smtClean="0"/>
-              <a:t>2: Designing An Application</a:t>
+              <a:t>Part 2: Designing An Application</a:t>
             </a:r>
           </a:p>
           <a:p>
@@ -4067,7 +4051,7 @@
           <a:p>
             <a:r>
               <a:rPr lang="en-CA" dirty="0" smtClean="0"/>
-              <a:t>Part 2 – Designing Your Application</a:t>
+              <a:t>Part 3 – Designing Your Application</a:t>
             </a:r>
             <a:endParaRPr lang="en-US" dirty="0"/>
           </a:p>
@@ -4311,7 +4295,7 @@
           <a:p>
             <a:r>
               <a:rPr lang="en-CA" dirty="0" smtClean="0"/>
-              <a:t>Part 3 – Designing Your Program</a:t>
+              <a:t>Part 4 – Designing Your Program</a:t>
             </a:r>
             <a:endParaRPr lang="en-US" dirty="0"/>
           </a:p>
